--- a/Group Meeting-2010-07-14.pptx
+++ b/Group Meeting-2010-07-14.pptx
@@ -5,7 +5,7 @@
     <p:sldMasterId id="2147483648" r:id="rId1"/>
   </p:sldMasterIdLst>
   <p:notesMasterIdLst>
-    <p:notesMasterId r:id="rId14"/>
+    <p:notesMasterId r:id="rId15"/>
   </p:notesMasterIdLst>
   <p:sldIdLst>
     <p:sldId id="256" r:id="rId2"/>
@@ -20,6 +20,7 @@
     <p:sldId id="265" r:id="rId11"/>
     <p:sldId id="266" r:id="rId12"/>
     <p:sldId id="269" r:id="rId13"/>
+    <p:sldId id="270" r:id="rId14"/>
   </p:sldIdLst>
   <p:sldSz cx="9144000" cy="6858000" type="screen4x3"/>
   <p:notesSz cx="7099300" cy="10234613"/>
@@ -118,6 +119,22 @@
       </a:defRPr>
     </a:lvl9pPr>
   </p:defaultTextStyle>
+  <p:extLst>
+    <p:ext uri="{EFAFB233-063F-42B5-8137-9DF3F51BA10A}">
+      <p15:sldGuideLst xmlns:p15="http://schemas.microsoft.com/office/powerpoint/2012/main">
+        <p15:guide id="1" orient="horz" pos="2160">
+          <p15:clr>
+            <a:srgbClr val="A4A3A4"/>
+          </p15:clr>
+        </p15:guide>
+        <p15:guide id="2" pos="2880">
+          <p15:clr>
+            <a:srgbClr val="A4A3A4"/>
+          </p15:clr>
+        </p15:guide>
+      </p15:sldGuideLst>
+    </p:ext>
+  </p:extLst>
 </p:presentation>
 </file>
 
@@ -203,7 +220,7 @@
           <a:p>
             <a:fld id="{D37FB798-7B41-4A35-A658-A1514E81EDE3}" type="datetimeFigureOut">
               <a:rPr lang="zh-TW" altLang="en-US" smtClean="0"/>
-              <a:t>2010/7/14</a:t>
+              <a:t>2014/7/13</a:t>
             </a:fld>
             <a:endParaRPr lang="zh-TW" altLang="en-US"/>
           </a:p>
@@ -4627,6 +4644,314 @@
       </p:par>
     </p:tnLst>
   </p:timing>
+</p:sld>
+</file>
+
+<file path=ppt/slides/slide13.xml><?xml version="1.0" encoding="utf-8"?>
+<p:sld xmlns:a="http://schemas.openxmlformats.org/drawingml/2006/main" xmlns:r="http://schemas.openxmlformats.org/officeDocument/2006/relationships" xmlns:p="http://schemas.openxmlformats.org/presentationml/2006/main">
+  <p:cSld>
+    <p:spTree>
+      <p:nvGrpSpPr>
+        <p:cNvPr id="1" name=""/>
+        <p:cNvGrpSpPr/>
+        <p:nvPr/>
+      </p:nvGrpSpPr>
+      <p:grpSpPr>
+        <a:xfrm>
+          <a:off x="0" y="0"/>
+          <a:ext cx="0" cy="0"/>
+          <a:chOff x="0" y="0"/>
+          <a:chExt cx="0" cy="0"/>
+        </a:xfrm>
+      </p:grpSpPr>
+      <p:sp>
+        <p:nvSpPr>
+          <p:cNvPr id="2" name="標題 1"/>
+          <p:cNvSpPr>
+            <a:spLocks noGrp="1"/>
+          </p:cNvSpPr>
+          <p:nvPr>
+            <p:ph type="title"/>
+          </p:nvPr>
+        </p:nvSpPr>
+        <p:spPr/>
+        <p:txBody>
+          <a:bodyPr/>
+          <a:lstStyle/>
+          <a:p>
+            <a:endParaRPr lang="zh-TW" altLang="en-US"/>
+          </a:p>
+        </p:txBody>
+      </p:sp>
+      <p:sp>
+        <p:nvSpPr>
+          <p:cNvPr id="3" name="內容版面配置區 2"/>
+          <p:cNvSpPr>
+            <a:spLocks noGrp="1"/>
+          </p:cNvSpPr>
+          <p:nvPr>
+            <p:ph idx="1"/>
+          </p:nvPr>
+        </p:nvSpPr>
+        <p:spPr/>
+        <p:txBody>
+          <a:bodyPr>
+            <a:normAutofit fontScale="55000" lnSpcReduction="20000"/>
+          </a:bodyPr>
+          <a:lstStyle/>
+          <a:p>
+            <a:r>
+              <a:rPr lang="zh-TW" altLang="en-US" dirty="0"/>
+              <a:t>注意事項</a:t>
+            </a:r>
+            <a:r>
+              <a:rPr lang="en-US" altLang="zh-TW" dirty="0"/>
+              <a:t>:</a:t>
+            </a:r>
+          </a:p>
+          <a:p>
+            <a:endParaRPr lang="en-US" altLang="zh-TW" dirty="0"/>
+          </a:p>
+          <a:p>
+            <a:r>
+              <a:rPr lang="en-US" altLang="zh-TW" dirty="0"/>
+              <a:t>1.	</a:t>
+            </a:r>
+            <a:r>
+              <a:rPr lang="zh-TW" altLang="en-US" dirty="0"/>
+              <a:t>量測</a:t>
+            </a:r>
+            <a:r>
+              <a:rPr lang="en-US" altLang="zh-TW" dirty="0"/>
+              <a:t>SETUP </a:t>
+            </a:r>
+            <a:r>
+              <a:rPr lang="zh-TW" altLang="en-US" dirty="0"/>
+              <a:t>務必照相</a:t>
+            </a:r>
+            <a:r>
+              <a:rPr lang="en-US" altLang="zh-TW" dirty="0"/>
+              <a:t>. </a:t>
+            </a:r>
+            <a:r>
+              <a:rPr lang="zh-TW" altLang="en-US" dirty="0"/>
+              <a:t>或 畫圖</a:t>
+            </a:r>
+            <a:r>
+              <a:rPr lang="en-US" altLang="zh-TW" dirty="0"/>
+              <a:t>. </a:t>
+            </a:r>
+            <a:r>
+              <a:rPr lang="zh-TW" altLang="en-US" dirty="0"/>
+              <a:t>不管是用哪一個</a:t>
+            </a:r>
+            <a:r>
+              <a:rPr lang="en-US" altLang="zh-TW" dirty="0"/>
+              <a:t>CONNECTOR, CABLE </a:t>
+            </a:r>
+            <a:r>
+              <a:rPr lang="zh-TW" altLang="en-US" dirty="0"/>
+              <a:t>都要記錄</a:t>
+            </a:r>
+          </a:p>
+          <a:p>
+            <a:r>
+              <a:rPr lang="zh-TW" altLang="en-US" dirty="0"/>
+              <a:t>目的是</a:t>
+            </a:r>
+            <a:r>
+              <a:rPr lang="en-US" altLang="zh-TW" dirty="0"/>
+              <a:t>, </a:t>
+            </a:r>
+            <a:r>
+              <a:rPr lang="zh-TW" altLang="en-US" dirty="0"/>
+              <a:t>以後再</a:t>
+            </a:r>
+            <a:r>
+              <a:rPr lang="en-US" altLang="zh-TW" dirty="0"/>
+              <a:t>DEBUG</a:t>
+            </a:r>
+            <a:r>
+              <a:rPr lang="zh-TW" altLang="en-US" dirty="0"/>
+              <a:t>時</a:t>
+            </a:r>
+            <a:r>
+              <a:rPr lang="en-US" altLang="zh-TW" dirty="0"/>
+              <a:t>, </a:t>
+            </a:r>
+            <a:r>
+              <a:rPr lang="zh-TW" altLang="en-US" dirty="0"/>
+              <a:t>能夠重現當時的狀態</a:t>
+            </a:r>
+            <a:r>
+              <a:rPr lang="en-US" altLang="zh-TW" dirty="0"/>
+              <a:t>. </a:t>
+            </a:r>
+            <a:r>
+              <a:rPr lang="zh-TW" altLang="en-US" dirty="0"/>
+              <a:t>非常的重要</a:t>
+            </a:r>
+            <a:r>
+              <a:rPr lang="en-US" altLang="zh-TW" dirty="0"/>
+              <a:t>. </a:t>
+            </a:r>
+            <a:r>
+              <a:rPr lang="zh-TW" altLang="en-US" dirty="0"/>
+              <a:t>所有的</a:t>
+            </a:r>
+            <a:r>
+              <a:rPr lang="en-US" altLang="zh-TW" dirty="0"/>
+              <a:t>COMPONENTS</a:t>
+            </a:r>
+            <a:r>
+              <a:rPr lang="zh-TW" altLang="en-US" dirty="0"/>
+              <a:t>都要記錄</a:t>
+            </a:r>
+          </a:p>
+          <a:p>
+            <a:endParaRPr lang="zh-TW" altLang="en-US" dirty="0"/>
+          </a:p>
+          <a:p>
+            <a:r>
+              <a:rPr lang="en-US" altLang="zh-TW" dirty="0"/>
+              <a:t>(</a:t>
+            </a:r>
+            <a:r>
+              <a:rPr lang="zh-TW" altLang="en-US" dirty="0"/>
+              <a:t>另外 新生得搞懂 量什麼</a:t>
+            </a:r>
+            <a:r>
+              <a:rPr lang="en-US" altLang="zh-TW" dirty="0"/>
+              <a:t>? </a:t>
+            </a:r>
+            <a:r>
+              <a:rPr lang="zh-TW" altLang="en-US" dirty="0"/>
+              <a:t>每台儀器跟</a:t>
+            </a:r>
+            <a:r>
+              <a:rPr lang="en-US" altLang="zh-TW" dirty="0"/>
+              <a:t>component</a:t>
+            </a:r>
+            <a:r>
+              <a:rPr lang="zh-TW" altLang="en-US" dirty="0"/>
+              <a:t>的用途</a:t>
+            </a:r>
+            <a:r>
+              <a:rPr lang="en-US" altLang="zh-TW" dirty="0"/>
+              <a:t>? </a:t>
+            </a:r>
+            <a:r>
+              <a:rPr lang="zh-TW" altLang="en-US" dirty="0"/>
+              <a:t>為什麼這樣量測</a:t>
+            </a:r>
+            <a:r>
+              <a:rPr lang="en-US" altLang="zh-TW" dirty="0"/>
+              <a:t>? )</a:t>
+            </a:r>
+          </a:p>
+          <a:p>
+            <a:endParaRPr lang="en-US" altLang="zh-TW" dirty="0"/>
+          </a:p>
+          <a:p>
+            <a:r>
+              <a:rPr lang="en-US" altLang="zh-TW" dirty="0"/>
+              <a:t>2.	</a:t>
+            </a:r>
+            <a:r>
+              <a:rPr lang="zh-TW" altLang="en-US" dirty="0"/>
+              <a:t>紀錄量測的順序</a:t>
+            </a:r>
+            <a:r>
+              <a:rPr lang="en-US" altLang="zh-TW" dirty="0"/>
+              <a:t>. </a:t>
+            </a:r>
+            <a:r>
+              <a:rPr lang="zh-TW" altLang="en-US" dirty="0"/>
+              <a:t>每一步驟的順序都要記錄</a:t>
+            </a:r>
+          </a:p>
+          <a:p>
+            <a:endParaRPr lang="zh-TW" altLang="en-US" dirty="0"/>
+          </a:p>
+          <a:p>
+            <a:r>
+              <a:rPr lang="en-US" altLang="zh-TW" dirty="0"/>
+              <a:t>3.	</a:t>
+            </a:r>
+            <a:r>
+              <a:rPr lang="zh-TW" altLang="en-US" dirty="0"/>
+              <a:t>量測數據 紀錄</a:t>
+            </a:r>
+          </a:p>
+          <a:p>
+            <a:endParaRPr lang="zh-TW" altLang="en-US" dirty="0"/>
+          </a:p>
+          <a:p>
+            <a:r>
+              <a:rPr lang="zh-TW" altLang="en-US" dirty="0"/>
+              <a:t>我會再找時間 跟你們討論量測的紀錄</a:t>
+            </a:r>
+            <a:r>
+              <a:rPr lang="en-US" altLang="zh-TW" dirty="0"/>
+              <a:t>!!!!!</a:t>
+            </a:r>
+          </a:p>
+          <a:p>
+            <a:endParaRPr lang="en-US" altLang="zh-TW" dirty="0"/>
+          </a:p>
+          <a:p>
+            <a:r>
+              <a:rPr lang="en-US" altLang="zh-TW"/>
+              <a:t>Yu-Jiu</a:t>
+            </a:r>
+          </a:p>
+          <a:p>
+            <a:endParaRPr lang="zh-TW" altLang="en-US"/>
+          </a:p>
+        </p:txBody>
+      </p:sp>
+      <p:sp>
+        <p:nvSpPr>
+          <p:cNvPr id="4" name="投影片編號版面配置區 3"/>
+          <p:cNvSpPr>
+            <a:spLocks noGrp="1"/>
+          </p:cNvSpPr>
+          <p:nvPr>
+            <p:ph type="sldNum" sz="quarter" idx="12"/>
+          </p:nvPr>
+        </p:nvSpPr>
+        <p:spPr/>
+        <p:txBody>
+          <a:bodyPr/>
+          <a:lstStyle/>
+          <a:p>
+            <a:r>
+              <a:rPr lang="en-US" altLang="zh-TW" smtClean="0"/>
+              <a:t>National Chiao Tung University		Yu-Jiu Wang-	RF-VLSI Design-</a:t>
+            </a:r>
+            <a:fld id="{71333933-8D2B-418D-B785-3DBA82DF2340}" type="slidenum">
+              <a:rPr lang="en-US" altLang="zh-TW" smtClean="0"/>
+              <a:pPr/>
+              <a:t>13</a:t>
+            </a:fld>
+            <a:r>
+              <a:rPr lang="en-US" altLang="zh-TW" smtClean="0"/>
+              <a:t>		2010 All Rights Reserved</a:t>
+            </a:r>
+            <a:endParaRPr lang="en-US" altLang="zh-TW" dirty="0" smtClean="0"/>
+          </a:p>
+        </p:txBody>
+      </p:sp>
+    </p:spTree>
+    <p:extLst>
+      <p:ext uri="{BB962C8B-B14F-4D97-AF65-F5344CB8AC3E}">
+        <p14:creationId xmlns:p14="http://schemas.microsoft.com/office/powerpoint/2010/main" val="1741995912"/>
+      </p:ext>
+    </p:extLst>
+  </p:cSld>
+  <p:clrMapOvr>
+    <a:masterClrMapping/>
+  </p:clrMapOvr>
 </p:sld>
 </file>
 
